--- a/LP-BM.pptx
+++ b/LP-BM.pptx
@@ -121,6 +121,14 @@
       </a:defRPr>
     </a:lvl9pPr>
   </p:defaultTextStyle>
+  <p:extLst>
+    <p:ext uri="{EFAFB233-063F-42B5-8137-9DF3F51BA10A}">
+      <p15:sldGuideLst xmlns:p15="http://schemas.microsoft.com/office/powerpoint/2012/main"/>
+    </p:ext>
+    <p:ext uri="{2D200454-40CA-4A62-9FC3-DE9A4176ACB9}">
+      <p15:notesGuideLst xmlns:p15="http://schemas.microsoft.com/office/powerpoint/2012/main"/>
+    </p:ext>
+  </p:extLst>
 </p:presentation>
 </file>
 
@@ -287,7 +295,7 @@
           <a:p>
             <a:fld id="{CF8D27B8-ECB7-4EA9-BFF3-3FB7D091ECBA}" type="datetimeFigureOut">
               <a:rPr lang="en-US" smtClean="0"/>
-              <a:t>5/28/2022</a:t>
+              <a:t>8/4/2024</a:t>
             </a:fld>
             <a:endParaRPr lang="en-US"/>
           </a:p>
@@ -2094,7 +2102,7 @@
           <a:p>
             <a:fld id="{0D110BBB-681B-44D3-94DF-8D84941E6F85}" type="datetimeFigureOut">
               <a:rPr lang="en-US" smtClean="0"/>
-              <a:t>5/28/2022</a:t>
+              <a:t>8/4/2024</a:t>
             </a:fld>
             <a:endParaRPr lang="en-US"/>
           </a:p>
@@ -2294,7 +2302,7 @@
           <a:p>
             <a:fld id="{0D110BBB-681B-44D3-94DF-8D84941E6F85}" type="datetimeFigureOut">
               <a:rPr lang="en-US" smtClean="0"/>
-              <a:t>5/28/2022</a:t>
+              <a:t>8/4/2024</a:t>
             </a:fld>
             <a:endParaRPr lang="en-US"/>
           </a:p>
@@ -2504,7 +2512,7 @@
           <a:p>
             <a:fld id="{0D110BBB-681B-44D3-94DF-8D84941E6F85}" type="datetimeFigureOut">
               <a:rPr lang="en-US" smtClean="0"/>
-              <a:t>5/28/2022</a:t>
+              <a:t>8/4/2024</a:t>
             </a:fld>
             <a:endParaRPr lang="en-US"/>
           </a:p>
@@ -2704,7 +2712,7 @@
           <a:p>
             <a:fld id="{0D110BBB-681B-44D3-94DF-8D84941E6F85}" type="datetimeFigureOut">
               <a:rPr lang="en-US" smtClean="0"/>
-              <a:t>5/28/2022</a:t>
+              <a:t>8/4/2024</a:t>
             </a:fld>
             <a:endParaRPr lang="en-US"/>
           </a:p>
@@ -2980,7 +2988,7 @@
           <a:p>
             <a:fld id="{0D110BBB-681B-44D3-94DF-8D84941E6F85}" type="datetimeFigureOut">
               <a:rPr lang="en-US" smtClean="0"/>
-              <a:t>5/28/2022</a:t>
+              <a:t>8/4/2024</a:t>
             </a:fld>
             <a:endParaRPr lang="en-US"/>
           </a:p>
@@ -3248,7 +3256,7 @@
           <a:p>
             <a:fld id="{0D110BBB-681B-44D3-94DF-8D84941E6F85}" type="datetimeFigureOut">
               <a:rPr lang="en-US" smtClean="0"/>
-              <a:t>5/28/2022</a:t>
+              <a:t>8/4/2024</a:t>
             </a:fld>
             <a:endParaRPr lang="en-US"/>
           </a:p>
@@ -3663,7 +3671,7 @@
           <a:p>
             <a:fld id="{0D110BBB-681B-44D3-94DF-8D84941E6F85}" type="datetimeFigureOut">
               <a:rPr lang="en-US" smtClean="0"/>
-              <a:t>5/28/2022</a:t>
+              <a:t>8/4/2024</a:t>
             </a:fld>
             <a:endParaRPr lang="en-US"/>
           </a:p>
@@ -3805,7 +3813,7 @@
           <a:p>
             <a:fld id="{0D110BBB-681B-44D3-94DF-8D84941E6F85}" type="datetimeFigureOut">
               <a:rPr lang="en-US" smtClean="0"/>
-              <a:t>5/28/2022</a:t>
+              <a:t>8/4/2024</a:t>
             </a:fld>
             <a:endParaRPr lang="en-US"/>
           </a:p>
@@ -3918,7 +3926,7 @@
           <a:p>
             <a:fld id="{0D110BBB-681B-44D3-94DF-8D84941E6F85}" type="datetimeFigureOut">
               <a:rPr lang="en-US" smtClean="0"/>
-              <a:t>5/28/2022</a:t>
+              <a:t>8/4/2024</a:t>
             </a:fld>
             <a:endParaRPr lang="en-US"/>
           </a:p>
@@ -4231,7 +4239,7 @@
           <a:p>
             <a:fld id="{0D110BBB-681B-44D3-94DF-8D84941E6F85}" type="datetimeFigureOut">
               <a:rPr lang="en-US" smtClean="0"/>
-              <a:t>5/28/2022</a:t>
+              <a:t>8/4/2024</a:t>
             </a:fld>
             <a:endParaRPr lang="en-US"/>
           </a:p>
@@ -4520,7 +4528,7 @@
           <a:p>
             <a:fld id="{0D110BBB-681B-44D3-94DF-8D84941E6F85}" type="datetimeFigureOut">
               <a:rPr lang="en-US" smtClean="0"/>
-              <a:t>5/28/2022</a:t>
+              <a:t>8/4/2024</a:t>
             </a:fld>
             <a:endParaRPr lang="en-US"/>
           </a:p>
@@ -4773,7 +4781,7 @@
           <a:p>
             <a:fld id="{0D110BBB-681B-44D3-94DF-8D84941E6F85}" type="datetimeFigureOut">
               <a:rPr lang="en-US" smtClean="0"/>
-              <a:t>5/28/2022</a:t>
+              <a:t>8/4/2024</a:t>
             </a:fld>
             <a:endParaRPr lang="en-US"/>
           </a:p>
@@ -5248,7 +5256,7 @@
           <a:p>
             <a:r>
               <a:rPr lang="sk-SK" dirty="0"/>
-              <a:t>Damián Filo, 3121999276</a:t>
+              <a:t>Damián Filo, 2022</a:t>
             </a:r>
             <a:endParaRPr lang="en-US" dirty="0"/>
           </a:p>
@@ -6552,8 +6560,8 @@
           </a:prstGeom>
         </p:spPr>
       </p:pic>
-      <mc:AlternateContent xmlns:mc="http://schemas.openxmlformats.org/markup-compatibility/2006">
-        <mc:Choice xmlns:p14="http://schemas.microsoft.com/office/powerpoint/2010/main" Requires="p14">
+      <mc:AlternateContent xmlns:mc="http://schemas.openxmlformats.org/markup-compatibility/2006" xmlns:p14="http://schemas.microsoft.com/office/powerpoint/2010/main">
+        <mc:Choice Requires="p14">
           <p:contentPart p14:bwMode="auto" r:id="rId5">
             <p14:nvContentPartPr>
               <p14:cNvPr id="14" name="Písanie rukou 13">
@@ -6572,7 +6580,7 @@
             </p14:xfrm>
           </p:contentPart>
         </mc:Choice>
-        <mc:Fallback>
+        <mc:Fallback xmlns="">
           <p:pic>
             <p:nvPicPr>
               <p:cNvPr id="14" name="Písanie rukou 13">
@@ -6603,8 +6611,8 @@
           </p:pic>
         </mc:Fallback>
       </mc:AlternateContent>
-      <mc:AlternateContent xmlns:mc="http://schemas.openxmlformats.org/markup-compatibility/2006">
-        <mc:Choice xmlns:p14="http://schemas.microsoft.com/office/powerpoint/2010/main" Requires="p14">
+      <mc:AlternateContent xmlns:mc="http://schemas.openxmlformats.org/markup-compatibility/2006" xmlns:p14="http://schemas.microsoft.com/office/powerpoint/2010/main">
+        <mc:Choice Requires="p14">
           <p:contentPart p14:bwMode="auto" r:id="rId7">
             <p14:nvContentPartPr>
               <p14:cNvPr id="15" name="Písanie rukou 14">
@@ -6623,7 +6631,7 @@
             </p14:xfrm>
           </p:contentPart>
         </mc:Choice>
-        <mc:Fallback>
+        <mc:Fallback xmlns="">
           <p:pic>
             <p:nvPicPr>
               <p:cNvPr id="15" name="Písanie rukou 14">
@@ -6654,8 +6662,8 @@
           </p:pic>
         </mc:Fallback>
       </mc:AlternateContent>
-      <mc:AlternateContent xmlns:mc="http://schemas.openxmlformats.org/markup-compatibility/2006">
-        <mc:Choice xmlns:p14="http://schemas.microsoft.com/office/powerpoint/2010/main" Requires="p14">
+      <mc:AlternateContent xmlns:mc="http://schemas.openxmlformats.org/markup-compatibility/2006" xmlns:p14="http://schemas.microsoft.com/office/powerpoint/2010/main">
+        <mc:Choice Requires="p14">
           <p:contentPart p14:bwMode="auto" r:id="rId9">
             <p14:nvContentPartPr>
               <p14:cNvPr id="16" name="Písanie rukou 15">
@@ -6674,7 +6682,7 @@
             </p14:xfrm>
           </p:contentPart>
         </mc:Choice>
-        <mc:Fallback>
+        <mc:Fallback xmlns="">
           <p:pic>
             <p:nvPicPr>
               <p:cNvPr id="16" name="Písanie rukou 15">
@@ -6763,8 +6771,8 @@
           </a:p>
         </p:txBody>
       </p:sp>
-      <mc:AlternateContent xmlns:mc="http://schemas.openxmlformats.org/markup-compatibility/2006">
-        <mc:Choice xmlns:a14="http://schemas.microsoft.com/office/drawing/2010/main" Requires="a14">
+      <mc:AlternateContent xmlns:mc="http://schemas.openxmlformats.org/markup-compatibility/2006" xmlns:a14="http://schemas.microsoft.com/office/drawing/2010/main">
+        <mc:Choice Requires="a14">
           <p:sp>
             <p:nvSpPr>
               <p:cNvPr id="3" name="Zástupný objekt pre obsah 2">
@@ -6810,7 +6818,7 @@
                         <m:begChr m:val="{"/>
                         <m:endChr m:val="}"/>
                         <m:ctrlPr>
-                          <a:rPr lang="en-US" dirty="0" smtClean="0">
+                          <a:rPr lang="en-US" i="1" dirty="0" smtClean="0">
                             <a:solidFill>
                               <a:srgbClr val="836967"/>
                             </a:solidFill>
@@ -7335,7 +7343,7 @@
             </p:txBody>
           </p:sp>
         </mc:Choice>
-        <mc:Fallback>
+        <mc:Fallback xmlns="">
           <p:sp>
             <p:nvSpPr>
               <p:cNvPr id="3" name="Zástupný objekt pre obsah 2">
@@ -7484,8 +7492,8 @@
           </a:p>
         </p:txBody>
       </p:sp>
-      <mc:AlternateContent xmlns:mc="http://schemas.openxmlformats.org/markup-compatibility/2006">
-        <mc:Choice xmlns:a14="http://schemas.microsoft.com/office/drawing/2010/main" Requires="a14">
+      <mc:AlternateContent xmlns:mc="http://schemas.openxmlformats.org/markup-compatibility/2006" xmlns:a14="http://schemas.microsoft.com/office/drawing/2010/main">
+        <mc:Choice Requires="a14">
           <p:sp>
             <p:nvSpPr>
               <p:cNvPr id="3" name="Zástupný objekt pre obsah 2">
@@ -7824,7 +7832,7 @@
                       <m:fPr>
                         <m:type m:val="lin"/>
                         <m:ctrlPr>
-                          <a:rPr lang="en-US" dirty="0" smtClean="0">
+                          <a:rPr lang="en-US" i="1" dirty="0" smtClean="0">
                             <a:solidFill>
                               <a:srgbClr val="836967"/>
                             </a:solidFill>
@@ -7836,7 +7844,7 @@
                         <m:sSup>
                           <m:sSupPr>
                             <m:ctrlPr>
-                              <a:rPr lang="en-US" dirty="0">
+                              <a:rPr lang="en-US" i="1" dirty="0">
                                 <a:solidFill>
                                   <a:srgbClr val="836967"/>
                                 </a:solidFill>
@@ -8038,7 +8046,7 @@
             </p:txBody>
           </p:sp>
         </mc:Choice>
-        <mc:Fallback>
+        <mc:Fallback xmlns="">
           <p:sp>
             <p:nvSpPr>
               <p:cNvPr id="3" name="Zástupný objekt pre obsah 2">
@@ -8244,8 +8252,8 @@
           </a:p>
         </p:txBody>
       </p:sp>
-      <mc:AlternateContent xmlns:mc="http://schemas.openxmlformats.org/markup-compatibility/2006">
-        <mc:Choice xmlns:a14="http://schemas.microsoft.com/office/drawing/2010/main" Requires="a14">
+      <mc:AlternateContent xmlns:mc="http://schemas.openxmlformats.org/markup-compatibility/2006" xmlns:a14="http://schemas.microsoft.com/office/drawing/2010/main">
+        <mc:Choice Requires="a14">
           <p:sp>
             <p:nvSpPr>
               <p:cNvPr id="3" name="Zástupný objekt pre obsah 2">
@@ -8294,7 +8302,7 @@
             </p:txBody>
           </p:sp>
         </mc:Choice>
-        <mc:Fallback>
+        <mc:Fallback xmlns="">
           <p:sp>
             <p:nvSpPr>
               <p:cNvPr id="3" name="Zástupný objekt pre obsah 2">
@@ -8503,8 +8511,8 @@
           </a:p>
         </p:txBody>
       </p:sp>
-      <mc:AlternateContent xmlns:mc="http://schemas.openxmlformats.org/markup-compatibility/2006">
-        <mc:Choice xmlns:a14="http://schemas.microsoft.com/office/drawing/2010/main" Requires="a14">
+      <mc:AlternateContent xmlns:mc="http://schemas.openxmlformats.org/markup-compatibility/2006" xmlns:a14="http://schemas.microsoft.com/office/drawing/2010/main">
+        <mc:Choice Requires="a14">
           <p:sp>
             <p:nvSpPr>
               <p:cNvPr id="3" name="Zástupný objekt pre obsah 2">
@@ -8699,7 +8707,7 @@
                     <m:sSup>
                       <m:sSupPr>
                         <m:ctrlPr>
-                          <a:rPr lang="en-US" smtClean="0">
+                          <a:rPr lang="en-US" i="1" smtClean="0">
                             <a:solidFill>
                               <a:srgbClr val="836967"/>
                             </a:solidFill>
@@ -8938,7 +8946,7 @@
                       <m:fPr>
                         <m:type m:val="lin"/>
                         <m:ctrlPr>
-                          <a:rPr lang="en-US" dirty="0" smtClean="0">
+                          <a:rPr lang="en-US" i="1" dirty="0" smtClean="0">
                             <a:latin typeface="Cambria Math" panose="02040503050406030204" pitchFamily="18" charset="0"/>
                           </a:rPr>
                         </m:ctrlPr>
@@ -9039,7 +9047,7 @@
             </p:txBody>
           </p:sp>
         </mc:Choice>
-        <mc:Fallback>
+        <mc:Fallback xmlns="">
           <p:sp>
             <p:nvSpPr>
               <p:cNvPr id="3" name="Zástupný objekt pre obsah 2">
@@ -9137,8 +9145,8 @@
           </a:p>
         </p:txBody>
       </p:sp>
-      <mc:AlternateContent xmlns:mc="http://schemas.openxmlformats.org/markup-compatibility/2006">
-        <mc:Choice xmlns:a14="http://schemas.microsoft.com/office/drawing/2010/main" Requires="a14">
+      <mc:AlternateContent xmlns:mc="http://schemas.openxmlformats.org/markup-compatibility/2006" xmlns:a14="http://schemas.microsoft.com/office/drawing/2010/main">
+        <mc:Choice Requires="a14">
           <p:sp>
             <p:nvSpPr>
               <p:cNvPr id="3" name="Zástupný objekt pre obsah 2">
@@ -9181,7 +9189,7 @@
                     <m:sSup>
                       <m:sSupPr>
                         <m:ctrlPr>
-                          <a:rPr lang="en-US" smtClean="0">
+                          <a:rPr lang="en-US" i="1" smtClean="0">
                             <a:solidFill>
                               <a:srgbClr val="836967"/>
                             </a:solidFill>
@@ -9254,7 +9262,7 @@
             </p:txBody>
           </p:sp>
         </mc:Choice>
-        <mc:Fallback>
+        <mc:Fallback xmlns="">
           <p:sp>
             <p:nvSpPr>
               <p:cNvPr id="3" name="Zástupný objekt pre obsah 2">
